--- a/ppt/angular2/Angular2.pptx
+++ b/ppt/angular2/Angular2.pptx
@@ -221,7 +221,7 @@
               <a:rPr lang="en-US" altLang="zh-CN" smtClean="0">
                 <a:ea typeface="Microsoft YaHei UI" panose="020B0503020204020204" pitchFamily="34" charset="-122"/>
               </a:rPr>
-              <a:t>2/21/2017</a:t>
+              <a:t>3/19/2017</a:t>
             </a:fld>
             <a:endParaRPr lang="zh-CN" dirty="0">
               <a:ea typeface="Microsoft YaHei UI" panose="020B0503020204020204" pitchFamily="34" charset="-122"/>
@@ -399,7 +399,7 @@
             <a:fld id="{1F89424F-BB59-4F4E-9822-4CA3E770FFD2}" type="datetimeFigureOut">
               <a:rPr lang="en-US" altLang="zh-CN" smtClean="0"/>
               <a:pPr/>
-              <a:t>2/21/2017</a:t>
+              <a:t>3/19/2017</a:t>
             </a:fld>
             <a:endParaRPr lang="zh-CN" altLang="en-US" dirty="0"/>
           </a:p>
@@ -4473,7 +4473,7 @@
         </p:spPr>
         <p:txBody>
           <a:bodyPr>
-            <a:normAutofit fontScale="92500" lnSpcReduction="20000"/>
+            <a:normAutofit/>
           </a:bodyPr>
           <a:lstStyle/>
           <a:p>
@@ -4482,12 +4482,16 @@
               <a:buAutoNum type="arabicPeriod"/>
             </a:pPr>
             <a:r>
+              <a:rPr lang="zh-CN" altLang="en-US" dirty="0"/>
+              <a:t>模块 </a:t>
+            </a:r>
+            <a:r>
+              <a:rPr lang="en-US" altLang="zh-CN" dirty="0"/>
+              <a:t>(module</a:t>
+            </a:r>
+            <a:r>
               <a:rPr lang="en-US" altLang="zh-CN" dirty="0" smtClean="0"/>
-              <a:t>Angular JS</a:t>
-            </a:r>
-            <a:r>
-              <a:rPr lang="zh-CN" altLang="en-US" dirty="0" smtClean="0"/>
-              <a:t>简介</a:t>
+              <a:t>)</a:t>
             </a:r>
             <a:endParaRPr lang="zh-CN" dirty="0" smtClean="0"/>
           </a:p>
@@ -4497,12 +4501,16 @@
               <a:buAutoNum type="arabicPeriod"/>
             </a:pPr>
             <a:r>
-              <a:rPr lang="zh-CN" altLang="en-US" dirty="0" smtClean="0"/>
-              <a:t>数据</a:t>
-            </a:r>
-            <a:r>
               <a:rPr lang="zh-CN" altLang="en-US" dirty="0"/>
-              <a:t>绑定</a:t>
+              <a:t>组件 </a:t>
+            </a:r>
+            <a:r>
+              <a:rPr lang="en-US" altLang="zh-CN" dirty="0"/>
+              <a:t>(component</a:t>
+            </a:r>
+            <a:r>
+              <a:rPr lang="en-US" altLang="zh-CN" dirty="0" smtClean="0"/>
+              <a:t>)</a:t>
             </a:r>
             <a:endParaRPr lang="en-US" altLang="zh-CN" dirty="0"/>
           </a:p>
@@ -4512,9 +4520,14 @@
               <a:buAutoNum type="arabicPeriod"/>
             </a:pPr>
             <a:r>
+              <a:rPr lang="zh-CN" altLang="en-US" dirty="0"/>
+              <a:t>模板 </a:t>
+            </a:r>
+            <a:r>
               <a:rPr lang="en-US" altLang="zh-CN" dirty="0"/>
-              <a:t>Controllers</a:t>
-            </a:r>
+              <a:t>(template)</a:t>
+            </a:r>
+            <a:endParaRPr lang="en-US" altLang="zh-CN" dirty="0" smtClean="0"/>
           </a:p>
           <a:p>
             <a:pPr marL="502920" indent="-457200">
@@ -4522,9 +4535,14 @@
               <a:buAutoNum type="arabicPeriod"/>
             </a:pPr>
             <a:r>
+              <a:rPr lang="zh-CN" altLang="en-US" dirty="0"/>
+              <a:t>元数据 </a:t>
+            </a:r>
+            <a:r>
               <a:rPr lang="en-US" altLang="zh-CN" dirty="0"/>
-              <a:t>Scopes</a:t>
-            </a:r>
+              <a:t>(metadata)</a:t>
+            </a:r>
+            <a:endParaRPr lang="en-US" altLang="zh-CN" dirty="0" smtClean="0"/>
           </a:p>
           <a:p>
             <a:pPr marL="502920" indent="-457200">
@@ -4532,9 +4550,14 @@
               <a:buAutoNum type="arabicPeriod"/>
             </a:pPr>
             <a:r>
+              <a:rPr lang="zh-CN" altLang="en-US" dirty="0"/>
+              <a:t>数据绑定 </a:t>
+            </a:r>
+            <a:r>
               <a:rPr lang="en-US" altLang="zh-CN" dirty="0"/>
-              <a:t>service</a:t>
-            </a:r>
+              <a:t>(data binding)</a:t>
+            </a:r>
+            <a:endParaRPr lang="en-US" altLang="zh-CN" dirty="0"/>
           </a:p>
           <a:p>
             <a:pPr marL="502920" indent="-457200">
@@ -4543,7 +4566,11 @@
             </a:pPr>
             <a:r>
               <a:rPr lang="zh-CN" altLang="en-US" dirty="0"/>
-              <a:t>依赖注入</a:t>
+              <a:t>指令 </a:t>
+            </a:r>
+            <a:r>
+              <a:rPr lang="en-US" altLang="zh-CN" dirty="0"/>
+              <a:t>(directive)</a:t>
             </a:r>
             <a:endParaRPr lang="en-US" altLang="zh-CN" dirty="0"/>
           </a:p>
@@ -4554,7 +4581,11 @@
             </a:pPr>
             <a:r>
               <a:rPr lang="zh-CN" altLang="en-US" dirty="0"/>
-              <a:t>过滤器</a:t>
+              <a:t>服务 </a:t>
+            </a:r>
+            <a:r>
+              <a:rPr lang="en-US" altLang="zh-CN" dirty="0"/>
+              <a:t>(service)</a:t>
             </a:r>
             <a:endParaRPr lang="en-US" altLang="zh-CN" dirty="0"/>
           </a:p>
@@ -4565,51 +4596,13 @@
             </a:pPr>
             <a:r>
               <a:rPr lang="zh-CN" altLang="en-US" dirty="0"/>
-              <a:t>表单</a:t>
+              <a:t>依赖注入 </a:t>
+            </a:r>
+            <a:r>
+              <a:rPr lang="en-US" altLang="zh-CN" dirty="0"/>
+              <a:t>(dependency injection)</a:t>
             </a:r>
             <a:endParaRPr lang="en-US" altLang="zh-CN" dirty="0"/>
-          </a:p>
-          <a:p>
-            <a:pPr marL="502920" indent="-457200">
-              <a:buFont typeface="+mj-lt"/>
-              <a:buAutoNum type="arabicPeriod"/>
-            </a:pPr>
-            <a:r>
-              <a:rPr lang="zh-CN" altLang="en-US" dirty="0"/>
-              <a:t>指令</a:t>
-            </a:r>
-            <a:endParaRPr lang="en-US" altLang="zh-CN" dirty="0"/>
-          </a:p>
-          <a:p>
-            <a:pPr marL="502920" indent="-457200">
-              <a:buFont typeface="+mj-lt"/>
-              <a:buAutoNum type="arabicPeriod"/>
-            </a:pPr>
-            <a:r>
-              <a:rPr lang="zh-CN" altLang="en-US" dirty="0"/>
-              <a:t>路由</a:t>
-            </a:r>
-            <a:endParaRPr lang="en-US" altLang="zh-CN" dirty="0"/>
-          </a:p>
-          <a:p>
-            <a:pPr marL="502920" indent="-457200">
-              <a:buFont typeface="+mj-lt"/>
-              <a:buAutoNum type="arabicPeriod"/>
-            </a:pPr>
-            <a:r>
-              <a:rPr lang="en-US" altLang="zh-CN" dirty="0"/>
-              <a:t>AngularJS Http</a:t>
-            </a:r>
-          </a:p>
-          <a:p>
-            <a:pPr marL="502920" indent="-457200">
-              <a:buFont typeface="+mj-lt"/>
-              <a:buAutoNum type="arabicPeriod"/>
-            </a:pPr>
-            <a:r>
-              <a:rPr lang="en-US" altLang="zh-CN" dirty="0"/>
-              <a:t>promise</a:t>
-            </a:r>
           </a:p>
         </p:txBody>
       </p:sp>
@@ -4680,8 +4673,8 @@
               <a:t>1. </a:t>
             </a:r>
             <a:r>
-              <a:rPr lang="zh-CN" altLang="en-US" dirty="0"/>
-              <a:t>简介</a:t>
+              <a:rPr lang="zh-CN" altLang="en-US" dirty="0" smtClean="0"/>
+              <a:t>模块</a:t>
             </a:r>
             <a:endParaRPr lang="zh-CN" dirty="0"/>
           </a:p>
@@ -4713,112 +4706,8 @@
               <a:buNone/>
             </a:pPr>
             <a:r>
-              <a:rPr lang="en-US" altLang="zh-CN" dirty="0"/>
-              <a:t>AngularJS</a:t>
-            </a:r>
-            <a:r>
               <a:rPr lang="zh-CN" altLang="en-US" dirty="0"/>
-              <a:t>主要用于构建单页面</a:t>
-            </a:r>
-            <a:r>
-              <a:rPr lang="en-US" altLang="zh-CN" dirty="0"/>
-              <a:t>Web</a:t>
-            </a:r>
-            <a:r>
-              <a:rPr lang="zh-CN" altLang="en-US" dirty="0"/>
-              <a:t>应用。它通过增加开发人员和常见</a:t>
-            </a:r>
-            <a:r>
-              <a:rPr lang="en-US" altLang="zh-CN" dirty="0"/>
-              <a:t>Web</a:t>
-            </a:r>
-            <a:r>
-              <a:rPr lang="zh-CN" altLang="en-US" dirty="0"/>
-              <a:t>应用开发任务之间的抽象级别，使构建交互式的现代</a:t>
-            </a:r>
-            <a:r>
-              <a:rPr lang="en-US" altLang="zh-CN" dirty="0"/>
-              <a:t>Web</a:t>
-            </a:r>
-            <a:r>
-              <a:rPr lang="zh-CN" altLang="en-US" dirty="0"/>
-              <a:t>应用变得更加简单。它提供了开发</a:t>
-            </a:r>
-            <a:br>
-              <a:rPr lang="zh-CN" altLang="en-US" dirty="0"/>
-            </a:br>
-            <a:r>
-              <a:rPr lang="zh-CN" altLang="en-US" dirty="0"/>
-              <a:t>者在现代</a:t>
-            </a:r>
-            <a:r>
-              <a:rPr lang="en-US" altLang="zh-CN" dirty="0"/>
-              <a:t>Web</a:t>
-            </a:r>
-            <a:r>
-              <a:rPr lang="zh-CN" altLang="en-US" dirty="0"/>
-              <a:t>应用中经常要用到的一系列高级功能，例如： </a:t>
-            </a:r>
-            <a:br>
-              <a:rPr lang="zh-CN" altLang="en-US" dirty="0"/>
-            </a:br>
-            <a:r>
-              <a:rPr lang="zh-CN" altLang="en-US" dirty="0"/>
-              <a:t> </a:t>
-            </a:r>
-            <a:endParaRPr lang="en-US" altLang="zh-CN" dirty="0"/>
-          </a:p>
-          <a:p>
-            <a:r>
-              <a:rPr lang="zh-CN" altLang="en-US" dirty="0"/>
-              <a:t>解耦应用逻辑、数据模型和视图；</a:t>
-            </a:r>
-            <a:endParaRPr lang="en-US" altLang="zh-CN" dirty="0"/>
-          </a:p>
-          <a:p>
-            <a:r>
-              <a:rPr lang="en-US" altLang="zh-CN" dirty="0"/>
-              <a:t>Ajax</a:t>
-            </a:r>
-            <a:r>
-              <a:rPr lang="zh-CN" altLang="en-US" dirty="0"/>
-              <a:t>服务；</a:t>
-            </a:r>
-            <a:endParaRPr lang="en-US" altLang="zh-CN" b="1" dirty="0"/>
-          </a:p>
-          <a:p>
-            <a:r>
-              <a:rPr lang="zh-CN" altLang="en-US" dirty="0"/>
-              <a:t>依赖注入；</a:t>
-            </a:r>
-            <a:endParaRPr lang="en-US" altLang="zh-CN" dirty="0"/>
-          </a:p>
-          <a:p>
-            <a:r>
-              <a:rPr lang="zh-CN" altLang="en-US" dirty="0"/>
-              <a:t>浏览历史（使书签和前进、后退按钮能够像在普通</a:t>
-            </a:r>
-            <a:r>
-              <a:rPr lang="en-US" altLang="zh-CN" dirty="0"/>
-              <a:t>Web</a:t>
-            </a:r>
-            <a:r>
-              <a:rPr lang="zh-CN" altLang="en-US" dirty="0"/>
-              <a:t>应用中一样工作）；</a:t>
-            </a:r>
-            <a:endParaRPr lang="en-US" altLang="zh-CN" dirty="0"/>
-          </a:p>
-          <a:p>
-            <a:r>
-              <a:rPr lang="zh-CN" altLang="en-US" dirty="0"/>
-              <a:t>测试；</a:t>
-            </a:r>
-            <a:endParaRPr lang="en-US" altLang="zh-CN" dirty="0"/>
-          </a:p>
-          <a:p>
-            <a:r>
-              <a:rPr lang="zh-CN" altLang="en-US" dirty="0"/>
-              <a:t>更多功能 </a:t>
+              <a:t/>
             </a:r>
             <a:br>
               <a:rPr lang="zh-CN" altLang="en-US" dirty="0"/>
